--- a/lecture_slides_pdfs/05.pptx
+++ b/lecture_slides_pdfs/05.pptx
@@ -5,10 +5,10 @@
     <p:sldMasterId id="2147483648" r:id="rId1"/>
   </p:sldMasterIdLst>
   <p:notesMasterIdLst>
-    <p:notesMasterId r:id="rId16"/>
+    <p:notesMasterId r:id="rId17"/>
   </p:notesMasterIdLst>
   <p:handoutMasterIdLst>
-    <p:handoutMasterId r:id="rId17"/>
+    <p:handoutMasterId r:id="rId18"/>
   </p:handoutMasterIdLst>
   <p:sldIdLst>
     <p:sldId id="257" r:id="rId2"/>
@@ -16,15 +16,16 @@
     <p:sldId id="270" r:id="rId4"/>
     <p:sldId id="341" r:id="rId5"/>
     <p:sldId id="277" r:id="rId6"/>
-    <p:sldId id="297" r:id="rId7"/>
-    <p:sldId id="344" r:id="rId8"/>
-    <p:sldId id="343" r:id="rId9"/>
-    <p:sldId id="342" r:id="rId10"/>
-    <p:sldId id="256" r:id="rId11"/>
-    <p:sldId id="289" r:id="rId12"/>
-    <p:sldId id="290" r:id="rId13"/>
-    <p:sldId id="291" r:id="rId14"/>
-    <p:sldId id="334" r:id="rId15"/>
+    <p:sldId id="345" r:id="rId7"/>
+    <p:sldId id="297" r:id="rId8"/>
+    <p:sldId id="344" r:id="rId9"/>
+    <p:sldId id="343" r:id="rId10"/>
+    <p:sldId id="342" r:id="rId11"/>
+    <p:sldId id="256" r:id="rId12"/>
+    <p:sldId id="289" r:id="rId13"/>
+    <p:sldId id="290" r:id="rId14"/>
+    <p:sldId id="291" r:id="rId15"/>
+    <p:sldId id="334" r:id="rId16"/>
   </p:sldIdLst>
   <p:sldSz cx="9144000" cy="6858000" type="screen4x3"/>
   <p:notesSz cx="6858000" cy="9144000"/>
@@ -1487,7 +1488,7 @@
                 <a:latin typeface="Times" pitchFamily="2" charset="0"/>
               </a:rPr>
               <a:pPr/>
-              <a:t>13</a:t>
+              <a:t>14</a:t>
             </a:fld>
             <a:endParaRPr lang="en-US" altLang="en-US" sz="1200">
               <a:latin typeface="Times" pitchFamily="2" charset="0"/>
@@ -2319,7 +2320,7 @@
                 <a:latin typeface="Times" pitchFamily="2" charset="0"/>
               </a:rPr>
               <a:pPr/>
-              <a:t>6</a:t>
+              <a:t>7</a:t>
             </a:fld>
             <a:endParaRPr lang="en-US" altLang="en-US" sz="1200">
               <a:latin typeface="Times" pitchFamily="2" charset="0"/>
@@ -2573,7 +2574,7 @@
                 <a:latin typeface="Times" pitchFamily="2" charset="0"/>
               </a:rPr>
               <a:pPr/>
-              <a:t>7</a:t>
+              <a:t>8</a:t>
             </a:fld>
             <a:endParaRPr lang="en-US" altLang="en-US" sz="1200">
               <a:latin typeface="Times" pitchFamily="2" charset="0"/>
@@ -2827,7 +2828,7 @@
                 <a:latin typeface="Times" pitchFamily="2" charset="0"/>
               </a:rPr>
               <a:pPr/>
-              <a:t>9</a:t>
+              <a:t>10</a:t>
             </a:fld>
             <a:endParaRPr lang="en-US" altLang="en-US" sz="1200">
               <a:latin typeface="Times" pitchFamily="2" charset="0"/>
@@ -3090,7 +3091,7 @@
                 <a:latin typeface="Times" pitchFamily="2" charset="0"/>
               </a:rPr>
               <a:pPr/>
-              <a:t>10</a:t>
+              <a:t>11</a:t>
             </a:fld>
             <a:endParaRPr lang="en-US" altLang="en-US" sz="1200">
               <a:latin typeface="Times" pitchFamily="2" charset="0"/>
@@ -3415,7 +3416,7 @@
                 <a:latin typeface="Times" pitchFamily="2" charset="0"/>
               </a:rPr>
               <a:pPr/>
-              <a:t>11</a:t>
+              <a:t>12</a:t>
             </a:fld>
             <a:endParaRPr lang="en-US" altLang="en-US" sz="1200">
               <a:latin typeface="Times" pitchFamily="2" charset="0"/>
@@ -3746,7 +3747,7 @@
                 <a:latin typeface="Times" pitchFamily="2" charset="0"/>
               </a:rPr>
               <a:pPr/>
-              <a:t>12</a:t>
+              <a:t>13</a:t>
             </a:fld>
             <a:endParaRPr lang="en-US" altLang="en-US" sz="1200">
               <a:latin typeface="Times" pitchFamily="2" charset="0"/>
@@ -7501,6 +7502,122 @@
       </p:grpSpPr>
       <p:pic>
         <p:nvPicPr>
+          <p:cNvPr id="28673" name="Picture 1" descr="Neuroscience6e-Table-02-01.jpg">
+            <a:extLst>
+              <a:ext uri="{FF2B5EF4-FFF2-40B4-BE49-F238E27FC236}">
+                <a16:creationId xmlns:a16="http://schemas.microsoft.com/office/drawing/2014/main" id="{87CE1386-5AD7-386A-42B7-78BDB8FB39F1}"/>
+              </a:ext>
+            </a:extLst>
+          </p:cNvPr>
+          <p:cNvPicPr>
+            <a:picLocks noChangeAspect="1" noChangeArrowheads="1"/>
+          </p:cNvPicPr>
+          <p:nvPr/>
+        </p:nvPicPr>
+        <p:blipFill>
+          <a:blip r:embed="rId3">
+            <a:extLst>
+              <a:ext uri="{28A0092B-C50C-407E-A947-70E740481C1C}">
+                <a14:useLocalDpi xmlns:a14="http://schemas.microsoft.com/office/drawing/2010/main" val="0"/>
+              </a:ext>
+            </a:extLst>
+          </a:blip>
+          <a:srcRect/>
+          <a:stretch>
+            <a:fillRect/>
+          </a:stretch>
+        </p:blipFill>
+        <p:spPr bwMode="auto">
+          <a:xfrm>
+            <a:off x="1252538" y="455613"/>
+            <a:ext cx="6638925" cy="6327775"/>
+          </a:xfrm>
+          <a:prstGeom prst="rect">
+            <a:avLst/>
+          </a:prstGeom>
+          <a:noFill/>
+          <a:ln>
+            <a:noFill/>
+          </a:ln>
+          <a:extLst>
+            <a:ext uri="{909E8E84-426E-40DD-AFC4-6F175D3DCCD1}">
+              <a14:hiddenFill xmlns:a14="http://schemas.microsoft.com/office/drawing/2010/main">
+                <a:solidFill>
+                  <a:srgbClr val="FFFFFF"/>
+                </a:solidFill>
+              </a14:hiddenFill>
+            </a:ext>
+            <a:ext uri="{91240B29-F687-4F45-9708-019B960494DF}">
+              <a14:hiddenLine xmlns:a14="http://schemas.microsoft.com/office/drawing/2010/main" w="9525">
+                <a:solidFill>
+                  <a:srgbClr val="000000"/>
+                </a:solidFill>
+                <a:miter lim="800000"/>
+                <a:headEnd/>
+                <a:tailEnd/>
+              </a14:hiddenLine>
+            </a:ext>
+          </a:extLst>
+        </p:spPr>
+      </p:pic>
+      <p:sp>
+        <p:nvSpPr>
+          <p:cNvPr id="28674" name="Title 2">
+            <a:extLst>
+              <a:ext uri="{FF2B5EF4-FFF2-40B4-BE49-F238E27FC236}">
+                <a16:creationId xmlns:a16="http://schemas.microsoft.com/office/drawing/2014/main" id="{1128897B-499F-C60A-4B75-B812D052517B}"/>
+              </a:ext>
+            </a:extLst>
+          </p:cNvPr>
+          <p:cNvSpPr>
+            <a:spLocks noGrp="1" noChangeArrowheads="1"/>
+          </p:cNvSpPr>
+          <p:nvPr>
+            <p:ph type="title"/>
+          </p:nvPr>
+        </p:nvSpPr>
+        <p:spPr/>
+        <p:txBody>
+          <a:bodyPr/>
+          <a:lstStyle/>
+          <a:p>
+            <a:pPr algn="ctr"/>
+            <a:r>
+              <a:rPr lang="en-US" altLang="en-US">
+                <a:ea typeface="ＭＳ Ｐゴシック" panose="020B0600070205080204" pitchFamily="34" charset="-128"/>
+              </a:rPr>
+              <a:t>TABLE 2.1  Extracellular and Intracellular Ion Concentrations</a:t>
+            </a:r>
+          </a:p>
+        </p:txBody>
+      </p:sp>
+    </p:spTree>
+  </p:cSld>
+  <p:clrMapOvr>
+    <a:masterClrMapping/>
+  </p:clrMapOvr>
+</p:sld>
+</file>
+
+<file path=ppt/slides/slide11.xml><?xml version="1.0" encoding="utf-8"?>
+<p:sld xmlns:a="http://schemas.openxmlformats.org/drawingml/2006/main" xmlns:r="http://schemas.openxmlformats.org/officeDocument/2006/relationships" xmlns:p="http://schemas.openxmlformats.org/presentationml/2006/main">
+  <p:cSld>
+    <p:spTree>
+      <p:nvGrpSpPr>
+        <p:cNvPr id="1" name=""/>
+        <p:cNvGrpSpPr/>
+        <p:nvPr/>
+      </p:nvGrpSpPr>
+      <p:grpSpPr>
+        <a:xfrm>
+          <a:off x="0" y="0"/>
+          <a:ext cx="0" cy="0"/>
+          <a:chOff x="0" y="0"/>
+          <a:chExt cx="0" cy="0"/>
+        </a:xfrm>
+      </p:grpSpPr>
+      <p:pic>
+        <p:nvPicPr>
           <p:cNvPr id="30721" name="Picture 1" descr="Neuroscience6e-Box-02A.jpg">
             <a:extLst>
               <a:ext uri="{FF2B5EF4-FFF2-40B4-BE49-F238E27FC236}">
@@ -7598,7 +7715,7 @@
 </p:sld>
 </file>
 
-<file path=ppt/slides/slide11.xml><?xml version="1.0" encoding="utf-8"?>
+<file path=ppt/slides/slide12.xml><?xml version="1.0" encoding="utf-8"?>
 <p:sld xmlns:a="http://schemas.openxmlformats.org/drawingml/2006/main" xmlns:r="http://schemas.openxmlformats.org/officeDocument/2006/relationships" xmlns:p="http://schemas.openxmlformats.org/presentationml/2006/main">
   <p:cSld>
     <p:spTree>
@@ -7731,7 +7848,7 @@
 </p:sld>
 </file>
 
-<file path=ppt/slides/slide12.xml><?xml version="1.0" encoding="utf-8"?>
+<file path=ppt/slides/slide13.xml><?xml version="1.0" encoding="utf-8"?>
 <p:sld xmlns:a="http://schemas.openxmlformats.org/drawingml/2006/main" xmlns:r="http://schemas.openxmlformats.org/officeDocument/2006/relationships" xmlns:p="http://schemas.openxmlformats.org/presentationml/2006/main">
   <p:cSld>
     <p:spTree>
@@ -7864,7 +7981,7 @@
 </p:sld>
 </file>
 
-<file path=ppt/slides/slide13.xml><?xml version="1.0" encoding="utf-8"?>
+<file path=ppt/slides/slide14.xml><?xml version="1.0" encoding="utf-8"?>
 <p:sld xmlns:a="http://schemas.openxmlformats.org/drawingml/2006/main" xmlns:r="http://schemas.openxmlformats.org/officeDocument/2006/relationships" xmlns:p="http://schemas.openxmlformats.org/presentationml/2006/main">
   <p:cSld>
     <p:spTree>
@@ -8445,7 +8562,7 @@
 </p:sld>
 </file>
 
-<file path=ppt/slides/slide14.xml><?xml version="1.0" encoding="utf-8"?>
+<file path=ppt/slides/slide15.xml><?xml version="1.0" encoding="utf-8"?>
 <p:sld xmlns:a="http://schemas.openxmlformats.org/drawingml/2006/main" xmlns:r="http://schemas.openxmlformats.org/officeDocument/2006/relationships" xmlns:p="http://schemas.openxmlformats.org/presentationml/2006/main">
   <p:cSld>
     <p:spTree>
@@ -9417,6 +9534,269 @@
           <a:chExt cx="0" cy="0"/>
         </a:xfrm>
       </p:grpSpPr>
+      <p:sp>
+        <p:nvSpPr>
+          <p:cNvPr id="2" name="Title 1">
+            <a:extLst>
+              <a:ext uri="{FF2B5EF4-FFF2-40B4-BE49-F238E27FC236}">
+                <a16:creationId xmlns:a16="http://schemas.microsoft.com/office/drawing/2014/main" id="{6DD7CD32-F726-3502-81F9-40F9C3632857}"/>
+              </a:ext>
+            </a:extLst>
+          </p:cNvPr>
+          <p:cNvSpPr>
+            <a:spLocks noGrp="1"/>
+          </p:cNvSpPr>
+          <p:nvPr>
+            <p:ph type="title"/>
+          </p:nvPr>
+        </p:nvSpPr>
+        <p:spPr/>
+        <p:txBody>
+          <a:bodyPr/>
+          <a:lstStyle/>
+          <a:p>
+            <a:endParaRPr lang="en-US"/>
+          </a:p>
+        </p:txBody>
+      </p:sp>
+      <p:sp>
+        <p:nvSpPr>
+          <p:cNvPr id="3" name="Content Placeholder 2">
+            <a:extLst>
+              <a:ext uri="{FF2B5EF4-FFF2-40B4-BE49-F238E27FC236}">
+                <a16:creationId xmlns:a16="http://schemas.microsoft.com/office/drawing/2014/main" id="{ECBDAF6B-E7E0-291C-05DA-916E3E6DE082}"/>
+              </a:ext>
+            </a:extLst>
+          </p:cNvPr>
+          <p:cNvSpPr txBox="1">
+            <a:spLocks noChangeArrowheads="1"/>
+          </p:cNvSpPr>
+          <p:nvPr/>
+        </p:nvSpPr>
+        <p:spPr bwMode="auto">
+          <a:xfrm>
+            <a:off x="628650" y="2667000"/>
+            <a:ext cx="7886700" cy="3263900"/>
+          </a:xfrm>
+          <a:prstGeom prst="rect">
+            <a:avLst/>
+          </a:prstGeom>
+          <a:noFill/>
+          <a:extLst>
+            <a:ext uri="{909E8E84-426E-40DD-AFC4-6F175D3DCCD1}">
+              <a14:hiddenFill xmlns:a14="http://schemas.microsoft.com/office/drawing/2010/main">
+                <a:solidFill>
+                  <a:srgbClr val="FFFFFF"/>
+                </a:solidFill>
+              </a14:hiddenFill>
+            </a:ext>
+            <a:ext uri="{91240B29-F687-4F45-9708-019B960494DF}">
+              <a14:hiddenLine xmlns:a14="http://schemas.microsoft.com/office/drawing/2010/main" w="9525">
+                <a:solidFill>
+                  <a:srgbClr val="000000"/>
+                </a:solidFill>
+                <a:miter lim="800000"/>
+                <a:headEnd/>
+                <a:tailEnd/>
+              </a14:hiddenLine>
+            </a:ext>
+          </a:extLst>
+        </p:spPr>
+        <p:txBody>
+          <a:bodyPr vert="horz" wrap="square" lIns="91440" tIns="45720" rIns="91440" bIns="45720" numCol="1" anchor="t" anchorCtr="0" compatLnSpc="1">
+            <a:prstTxWarp prst="textNoShape">
+              <a:avLst/>
+            </a:prstTxWarp>
+          </a:bodyPr>
+          <a:lstStyle>
+            <a:lvl1pPr marL="342900" indent="-342900" algn="l" rtl="0" eaLnBrk="0" fontAlgn="base" hangingPunct="0">
+              <a:spcBef>
+                <a:spcPct val="20000"/>
+              </a:spcBef>
+              <a:spcAft>
+                <a:spcPct val="0"/>
+              </a:spcAft>
+              <a:defRPr sz="2400">
+                <a:solidFill>
+                  <a:schemeClr val="tx1"/>
+                </a:solidFill>
+                <a:latin typeface="+mn-lt"/>
+                <a:ea typeface="ＭＳ Ｐゴシック" charset="0"/>
+                <a:cs typeface="ＭＳ Ｐゴシック" charset="0"/>
+              </a:defRPr>
+            </a:lvl1pPr>
+            <a:lvl2pPr marL="742950" indent="-285750" algn="l" rtl="0" eaLnBrk="0" fontAlgn="base" hangingPunct="0">
+              <a:spcBef>
+                <a:spcPct val="20000"/>
+              </a:spcBef>
+              <a:spcAft>
+                <a:spcPct val="0"/>
+              </a:spcAft>
+              <a:buChar char="–"/>
+              <a:defRPr sz="2800">
+                <a:solidFill>
+                  <a:schemeClr val="tx1"/>
+                </a:solidFill>
+                <a:latin typeface="+mn-lt"/>
+                <a:ea typeface="ＭＳ Ｐゴシック" charset="0"/>
+              </a:defRPr>
+            </a:lvl2pPr>
+            <a:lvl3pPr marL="1143000" indent="-228600" algn="l" rtl="0" eaLnBrk="0" fontAlgn="base" hangingPunct="0">
+              <a:spcBef>
+                <a:spcPct val="20000"/>
+              </a:spcBef>
+              <a:spcAft>
+                <a:spcPct val="0"/>
+              </a:spcAft>
+              <a:buChar char="•"/>
+              <a:defRPr sz="2400">
+                <a:solidFill>
+                  <a:schemeClr val="tx1"/>
+                </a:solidFill>
+                <a:latin typeface="+mn-lt"/>
+                <a:ea typeface="ＭＳ Ｐゴシック" charset="0"/>
+              </a:defRPr>
+            </a:lvl3pPr>
+            <a:lvl4pPr marL="1600200" indent="-228600" algn="l" rtl="0" eaLnBrk="0" fontAlgn="base" hangingPunct="0">
+              <a:spcBef>
+                <a:spcPct val="20000"/>
+              </a:spcBef>
+              <a:spcAft>
+                <a:spcPct val="0"/>
+              </a:spcAft>
+              <a:buChar char="–"/>
+              <a:defRPr sz="2000">
+                <a:solidFill>
+                  <a:schemeClr val="tx1"/>
+                </a:solidFill>
+                <a:latin typeface="+mn-lt"/>
+                <a:ea typeface="ＭＳ Ｐゴシック" charset="0"/>
+              </a:defRPr>
+            </a:lvl4pPr>
+            <a:lvl5pPr marL="2057400" indent="-228600" algn="l" rtl="0" eaLnBrk="0" fontAlgn="base" hangingPunct="0">
+              <a:spcBef>
+                <a:spcPct val="20000"/>
+              </a:spcBef>
+              <a:spcAft>
+                <a:spcPct val="0"/>
+              </a:spcAft>
+              <a:buChar char="»"/>
+              <a:defRPr sz="2000">
+                <a:solidFill>
+                  <a:schemeClr val="tx1"/>
+                </a:solidFill>
+                <a:latin typeface="+mn-lt"/>
+                <a:ea typeface="ＭＳ Ｐゴシック" charset="0"/>
+              </a:defRPr>
+            </a:lvl5pPr>
+            <a:lvl6pPr marL="2514600" indent="-228600" algn="l" rtl="0" fontAlgn="base">
+              <a:spcBef>
+                <a:spcPct val="20000"/>
+              </a:spcBef>
+              <a:spcAft>
+                <a:spcPct val="0"/>
+              </a:spcAft>
+              <a:buChar char="»"/>
+              <a:defRPr sz="2000">
+                <a:solidFill>
+                  <a:schemeClr val="tx1"/>
+                </a:solidFill>
+                <a:latin typeface="+mn-lt"/>
+              </a:defRPr>
+            </a:lvl6pPr>
+            <a:lvl7pPr marL="2971800" indent="-228600" algn="l" rtl="0" fontAlgn="base">
+              <a:spcBef>
+                <a:spcPct val="20000"/>
+              </a:spcBef>
+              <a:spcAft>
+                <a:spcPct val="0"/>
+              </a:spcAft>
+              <a:buChar char="»"/>
+              <a:defRPr sz="2000">
+                <a:solidFill>
+                  <a:schemeClr val="tx1"/>
+                </a:solidFill>
+                <a:latin typeface="+mn-lt"/>
+              </a:defRPr>
+            </a:lvl7pPr>
+            <a:lvl8pPr marL="3429000" indent="-228600" algn="l" rtl="0" fontAlgn="base">
+              <a:spcBef>
+                <a:spcPct val="20000"/>
+              </a:spcBef>
+              <a:spcAft>
+                <a:spcPct val="0"/>
+              </a:spcAft>
+              <a:buChar char="»"/>
+              <a:defRPr sz="2000">
+                <a:solidFill>
+                  <a:schemeClr val="tx1"/>
+                </a:solidFill>
+                <a:latin typeface="+mn-lt"/>
+              </a:defRPr>
+            </a:lvl8pPr>
+            <a:lvl9pPr marL="3886200" indent="-228600" algn="l" rtl="0" fontAlgn="base">
+              <a:spcBef>
+                <a:spcPct val="20000"/>
+              </a:spcBef>
+              <a:spcAft>
+                <a:spcPct val="0"/>
+              </a:spcAft>
+              <a:buChar char="»"/>
+              <a:defRPr sz="2000">
+                <a:solidFill>
+                  <a:schemeClr val="tx1"/>
+                </a:solidFill>
+                <a:latin typeface="+mn-lt"/>
+              </a:defRPr>
+            </a:lvl9pPr>
+          </a:lstStyle>
+          <a:p>
+            <a:pPr marL="0" indent="0" algn="ctr"/>
+            <a:endParaRPr lang="en-US" altLang="en-US" kern="0" dirty="0">
+              <a:ea typeface="ＭＳ Ｐゴシック" panose="020B0600070205080204" pitchFamily="34" charset="-128"/>
+            </a:endParaRPr>
+          </a:p>
+          <a:p>
+            <a:pPr marL="0" indent="0" algn="ctr"/>
+            <a:r>
+              <a:rPr lang="en-US" altLang="en-US" kern="0" dirty="0">
+                <a:ea typeface="ＭＳ Ｐゴシック" panose="020B0600070205080204" pitchFamily="34" charset="-128"/>
+              </a:rPr>
+              <a:t>Derivation on doc projector</a:t>
+            </a:r>
+          </a:p>
+        </p:txBody>
+      </p:sp>
+    </p:spTree>
+    <p:extLst>
+      <p:ext uri="{BB962C8B-B14F-4D97-AF65-F5344CB8AC3E}">
+        <p14:creationId xmlns:p14="http://schemas.microsoft.com/office/powerpoint/2010/main" val="819118001"/>
+      </p:ext>
+    </p:extLst>
+  </p:cSld>
+  <p:clrMapOvr>
+    <a:masterClrMapping/>
+  </p:clrMapOvr>
+</p:sld>
+</file>
+
+<file path=ppt/slides/slide7.xml><?xml version="1.0" encoding="utf-8"?>
+<p:sld xmlns:a="http://schemas.openxmlformats.org/drawingml/2006/main" xmlns:r="http://schemas.openxmlformats.org/officeDocument/2006/relationships" xmlns:p="http://schemas.openxmlformats.org/presentationml/2006/main">
+  <p:cSld>
+    <p:spTree>
+      <p:nvGrpSpPr>
+        <p:cNvPr id="1" name=""/>
+        <p:cNvGrpSpPr/>
+        <p:nvPr/>
+      </p:nvGrpSpPr>
+      <p:grpSpPr>
+        <a:xfrm>
+          <a:off x="0" y="0"/>
+          <a:ext cx="0" cy="0"/>
+          <a:chOff x="0" y="0"/>
+          <a:chExt cx="0" cy="0"/>
+        </a:xfrm>
+      </p:grpSpPr>
       <p:pic>
         <p:nvPicPr>
           <p:cNvPr id="23553" name="Picture 1" descr="Neuroscience6e-Table-02-01.jpg">
@@ -9516,7 +9896,7 @@
 </p:sld>
 </file>
 
-<file path=ppt/slides/slide7.xml><?xml version="1.0" encoding="utf-8"?>
+<file path=ppt/slides/slide8.xml><?xml version="1.0" encoding="utf-8"?>
 <p:sld xmlns:a="http://schemas.openxmlformats.org/drawingml/2006/main" xmlns:r="http://schemas.openxmlformats.org/officeDocument/2006/relationships" xmlns:p="http://schemas.openxmlformats.org/presentationml/2006/main">
   <p:cSld>
     <p:spTree>
@@ -9822,7 +10202,7 @@
 </p:sld>
 </file>
 
-<file path=ppt/slides/slide8.xml><?xml version="1.0" encoding="utf-8"?>
+<file path=ppt/slides/slide9.xml><?xml version="1.0" encoding="utf-8"?>
 <p:sld xmlns:a="http://schemas.openxmlformats.org/drawingml/2006/main" xmlns:r="http://schemas.openxmlformats.org/officeDocument/2006/relationships" xmlns:p="http://schemas.openxmlformats.org/presentationml/2006/main">
   <p:cSld>
     <p:spTree>
@@ -10279,122 +10659,6 @@
       <p:bldP spid="4" grpId="0"/>
     </p:bldLst>
   </p:timing>
-</p:sld>
-</file>
-
-<file path=ppt/slides/slide9.xml><?xml version="1.0" encoding="utf-8"?>
-<p:sld xmlns:a="http://schemas.openxmlformats.org/drawingml/2006/main" xmlns:r="http://schemas.openxmlformats.org/officeDocument/2006/relationships" xmlns:p="http://schemas.openxmlformats.org/presentationml/2006/main">
-  <p:cSld>
-    <p:spTree>
-      <p:nvGrpSpPr>
-        <p:cNvPr id="1" name=""/>
-        <p:cNvGrpSpPr/>
-        <p:nvPr/>
-      </p:nvGrpSpPr>
-      <p:grpSpPr>
-        <a:xfrm>
-          <a:off x="0" y="0"/>
-          <a:ext cx="0" cy="0"/>
-          <a:chOff x="0" y="0"/>
-          <a:chExt cx="0" cy="0"/>
-        </a:xfrm>
-      </p:grpSpPr>
-      <p:pic>
-        <p:nvPicPr>
-          <p:cNvPr id="28673" name="Picture 1" descr="Neuroscience6e-Table-02-01.jpg">
-            <a:extLst>
-              <a:ext uri="{FF2B5EF4-FFF2-40B4-BE49-F238E27FC236}">
-                <a16:creationId xmlns:a16="http://schemas.microsoft.com/office/drawing/2014/main" id="{87CE1386-5AD7-386A-42B7-78BDB8FB39F1}"/>
-              </a:ext>
-            </a:extLst>
-          </p:cNvPr>
-          <p:cNvPicPr>
-            <a:picLocks noChangeAspect="1" noChangeArrowheads="1"/>
-          </p:cNvPicPr>
-          <p:nvPr/>
-        </p:nvPicPr>
-        <p:blipFill>
-          <a:blip r:embed="rId3">
-            <a:extLst>
-              <a:ext uri="{28A0092B-C50C-407E-A947-70E740481C1C}">
-                <a14:useLocalDpi xmlns:a14="http://schemas.microsoft.com/office/drawing/2010/main" val="0"/>
-              </a:ext>
-            </a:extLst>
-          </a:blip>
-          <a:srcRect/>
-          <a:stretch>
-            <a:fillRect/>
-          </a:stretch>
-        </p:blipFill>
-        <p:spPr bwMode="auto">
-          <a:xfrm>
-            <a:off x="1252538" y="455613"/>
-            <a:ext cx="6638925" cy="6327775"/>
-          </a:xfrm>
-          <a:prstGeom prst="rect">
-            <a:avLst/>
-          </a:prstGeom>
-          <a:noFill/>
-          <a:ln>
-            <a:noFill/>
-          </a:ln>
-          <a:extLst>
-            <a:ext uri="{909E8E84-426E-40DD-AFC4-6F175D3DCCD1}">
-              <a14:hiddenFill xmlns:a14="http://schemas.microsoft.com/office/drawing/2010/main">
-                <a:solidFill>
-                  <a:srgbClr val="FFFFFF"/>
-                </a:solidFill>
-              </a14:hiddenFill>
-            </a:ext>
-            <a:ext uri="{91240B29-F687-4F45-9708-019B960494DF}">
-              <a14:hiddenLine xmlns:a14="http://schemas.microsoft.com/office/drawing/2010/main" w="9525">
-                <a:solidFill>
-                  <a:srgbClr val="000000"/>
-                </a:solidFill>
-                <a:miter lim="800000"/>
-                <a:headEnd/>
-                <a:tailEnd/>
-              </a14:hiddenLine>
-            </a:ext>
-          </a:extLst>
-        </p:spPr>
-      </p:pic>
-      <p:sp>
-        <p:nvSpPr>
-          <p:cNvPr id="28674" name="Title 2">
-            <a:extLst>
-              <a:ext uri="{FF2B5EF4-FFF2-40B4-BE49-F238E27FC236}">
-                <a16:creationId xmlns:a16="http://schemas.microsoft.com/office/drawing/2014/main" id="{1128897B-499F-C60A-4B75-B812D052517B}"/>
-              </a:ext>
-            </a:extLst>
-          </p:cNvPr>
-          <p:cNvSpPr>
-            <a:spLocks noGrp="1" noChangeArrowheads="1"/>
-          </p:cNvSpPr>
-          <p:nvPr>
-            <p:ph type="title"/>
-          </p:nvPr>
-        </p:nvSpPr>
-        <p:spPr/>
-        <p:txBody>
-          <a:bodyPr/>
-          <a:lstStyle/>
-          <a:p>
-            <a:pPr algn="ctr"/>
-            <a:r>
-              <a:rPr lang="en-US" altLang="en-US">
-                <a:ea typeface="ＭＳ Ｐゴシック" panose="020B0600070205080204" pitchFamily="34" charset="-128"/>
-              </a:rPr>
-              <a:t>TABLE 2.1  Extracellular and Intracellular Ion Concentrations</a:t>
-            </a:r>
-          </a:p>
-        </p:txBody>
-      </p:sp>
-    </p:spTree>
-  </p:cSld>
-  <p:clrMapOvr>
-    <a:masterClrMapping/>
-  </p:clrMapOvr>
 </p:sld>
 </file>
 
